--- a/Police Bot Milestone 3 Presentation.pptx
+++ b/Police Bot Milestone 3 Presentation.pptx
@@ -818,7 +818,7 @@
   <p:cSld>
     <p:spTree>
       <p:nvGrpSpPr>
-        <p:cNvPr id="187" name="Shape 187"/>
+        <p:cNvPr id="188" name="Shape 188"/>
         <p:cNvGrpSpPr/>
         <p:nvPr/>
       </p:nvGrpSpPr>
@@ -832,7 +832,7 @@
       </p:grpSpPr>
       <p:sp>
         <p:nvSpPr>
-          <p:cNvPr id="188" name="Google Shape;188;g1ec2dc30982_0_176:notes"/>
+          <p:cNvPr id="189" name="Google Shape;189;g1ec2dc30982_0_181:notes"/>
           <p:cNvSpPr/>
           <p:nvPr>
             <p:ph idx="2" type="sldImg"/>
@@ -867,7 +867,7 @@
       </p:sp>
       <p:sp>
         <p:nvSpPr>
-          <p:cNvPr id="189" name="Google Shape;189;g1ec2dc30982_0_176:notes"/>
+          <p:cNvPr id="190" name="Google Shape;190;g1ec2dc30982_0_181:notes"/>
           <p:cNvSpPr txBox="1"/>
           <p:nvPr>
             <p:ph idx="1" type="body"/>
@@ -917,7 +917,7 @@
   <p:cSld>
     <p:spTree>
       <p:nvGrpSpPr>
-        <p:cNvPr id="193" name="Shape 193"/>
+        <p:cNvPr id="196" name="Shape 196"/>
         <p:cNvGrpSpPr/>
         <p:nvPr/>
       </p:nvGrpSpPr>
@@ -931,7 +931,7 @@
       </p:grpSpPr>
       <p:sp>
         <p:nvSpPr>
-          <p:cNvPr id="194" name="Google Shape;194;g1ec2dc30982_0_181:notes"/>
+          <p:cNvPr id="197" name="Google Shape;197;g1ec2dc30982_0_176:notes"/>
           <p:cNvSpPr/>
           <p:nvPr>
             <p:ph idx="2" type="sldImg"/>
@@ -966,7 +966,7 @@
       </p:sp>
       <p:sp>
         <p:nvSpPr>
-          <p:cNvPr id="195" name="Google Shape;195;g1ec2dc30982_0_181:notes"/>
+          <p:cNvPr id="198" name="Google Shape;198;g1ec2dc30982_0_176:notes"/>
           <p:cNvSpPr txBox="1"/>
           <p:nvPr>
             <p:ph idx="1" type="body"/>
@@ -1016,7 +1016,7 @@
   <p:cSld>
     <p:spTree>
       <p:nvGrpSpPr>
-        <p:cNvPr id="201" name="Shape 201"/>
+        <p:cNvPr id="202" name="Shape 202"/>
         <p:cNvGrpSpPr/>
         <p:nvPr/>
       </p:nvGrpSpPr>
@@ -1030,7 +1030,7 @@
       </p:grpSpPr>
       <p:sp>
         <p:nvSpPr>
-          <p:cNvPr id="202" name="Google Shape;202;g1ec33596830_0_0:notes"/>
+          <p:cNvPr id="203" name="Google Shape;203;g1ec33596830_0_0:notes"/>
           <p:cNvSpPr/>
           <p:nvPr>
             <p:ph idx="2" type="sldImg"/>
@@ -1065,7 +1065,7 @@
       </p:sp>
       <p:sp>
         <p:nvSpPr>
-          <p:cNvPr id="203" name="Google Shape;203;g1ec33596830_0_0:notes"/>
+          <p:cNvPr id="204" name="Google Shape;204;g1ec33596830_0_0:notes"/>
           <p:cNvSpPr txBox="1"/>
           <p:nvPr>
             <p:ph idx="1" type="body"/>
@@ -1115,7 +1115,7 @@
   <p:cSld>
     <p:spTree>
       <p:nvGrpSpPr>
-        <p:cNvPr id="207" name="Shape 207"/>
+        <p:cNvPr id="208" name="Shape 208"/>
         <p:cNvGrpSpPr/>
         <p:nvPr/>
       </p:nvGrpSpPr>
@@ -1129,7 +1129,7 @@
       </p:grpSpPr>
       <p:sp>
         <p:nvSpPr>
-          <p:cNvPr id="208" name="Google Shape;208;g1ec2dc30982_0_191:notes"/>
+          <p:cNvPr id="209" name="Google Shape;209;g1ec2dc30982_0_191:notes"/>
           <p:cNvSpPr/>
           <p:nvPr>
             <p:ph idx="2" type="sldImg"/>
@@ -1164,7 +1164,7 @@
       </p:sp>
       <p:sp>
         <p:nvSpPr>
-          <p:cNvPr id="209" name="Google Shape;209;g1ec2dc30982_0_191:notes"/>
+          <p:cNvPr id="210" name="Google Shape;210;g1ec2dc30982_0_191:notes"/>
           <p:cNvSpPr txBox="1"/>
           <p:nvPr>
             <p:ph idx="1" type="body"/>
@@ -1610,7 +1610,7 @@
   <p:cSld>
     <p:spTree>
       <p:nvGrpSpPr>
-        <p:cNvPr id="160" name="Shape 160"/>
+        <p:cNvPr id="161" name="Shape 161"/>
         <p:cNvGrpSpPr/>
         <p:nvPr/>
       </p:nvGrpSpPr>
@@ -1624,7 +1624,7 @@
       </p:grpSpPr>
       <p:sp>
         <p:nvSpPr>
-          <p:cNvPr id="161" name="Google Shape;161;g1ec2dc30982_0_151:notes"/>
+          <p:cNvPr id="162" name="Google Shape;162;g1ec2dc30982_0_151:notes"/>
           <p:cNvSpPr/>
           <p:nvPr>
             <p:ph idx="2" type="sldImg"/>
@@ -1659,7 +1659,7 @@
       </p:sp>
       <p:sp>
         <p:nvSpPr>
-          <p:cNvPr id="162" name="Google Shape;162;g1ec2dc30982_0_151:notes"/>
+          <p:cNvPr id="163" name="Google Shape;163;g1ec2dc30982_0_151:notes"/>
           <p:cNvSpPr txBox="1"/>
           <p:nvPr>
             <p:ph idx="1" type="body"/>
@@ -1709,7 +1709,7 @@
   <p:cSld>
     <p:spTree>
       <p:nvGrpSpPr>
-        <p:cNvPr id="166" name="Shape 166"/>
+        <p:cNvPr id="167" name="Shape 167"/>
         <p:cNvGrpSpPr/>
         <p:nvPr/>
       </p:nvGrpSpPr>
@@ -1723,7 +1723,7 @@
       </p:grpSpPr>
       <p:sp>
         <p:nvSpPr>
-          <p:cNvPr id="167" name="Google Shape;167;g1ec2dc30982_0_156:notes"/>
+          <p:cNvPr id="168" name="Google Shape;168;g1ec2dc30982_0_156:notes"/>
           <p:cNvSpPr/>
           <p:nvPr>
             <p:ph idx="2" type="sldImg"/>
@@ -1758,7 +1758,7 @@
       </p:sp>
       <p:sp>
         <p:nvSpPr>
-          <p:cNvPr id="168" name="Google Shape;168;g1ec2dc30982_0_156:notes"/>
+          <p:cNvPr id="169" name="Google Shape;169;g1ec2dc30982_0_156:notes"/>
           <p:cNvSpPr txBox="1"/>
           <p:nvPr>
             <p:ph idx="1" type="body"/>
@@ -1808,7 +1808,7 @@
   <p:cSld>
     <p:spTree>
       <p:nvGrpSpPr>
-        <p:cNvPr id="173" name="Shape 173"/>
+        <p:cNvPr id="174" name="Shape 174"/>
         <p:cNvGrpSpPr/>
         <p:nvPr/>
       </p:nvGrpSpPr>
@@ -1822,7 +1822,7 @@
       </p:grpSpPr>
       <p:sp>
         <p:nvSpPr>
-          <p:cNvPr id="174" name="Google Shape;174;g1ec2dc30982_0_161:notes"/>
+          <p:cNvPr id="175" name="Google Shape;175;g1ec2dc30982_0_161:notes"/>
           <p:cNvSpPr/>
           <p:nvPr>
             <p:ph idx="2" type="sldImg"/>
@@ -1857,7 +1857,7 @@
       </p:sp>
       <p:sp>
         <p:nvSpPr>
-          <p:cNvPr id="175" name="Google Shape;175;g1ec2dc30982_0_161:notes"/>
+          <p:cNvPr id="176" name="Google Shape;176;g1ec2dc30982_0_161:notes"/>
           <p:cNvSpPr txBox="1"/>
           <p:nvPr>
             <p:ph idx="1" type="body"/>
@@ -1907,7 +1907,7 @@
   <p:cSld>
     <p:spTree>
       <p:nvGrpSpPr>
-        <p:cNvPr id="180" name="Shape 180"/>
+        <p:cNvPr id="181" name="Shape 181"/>
         <p:cNvGrpSpPr/>
         <p:nvPr/>
       </p:nvGrpSpPr>
@@ -1921,7 +1921,7 @@
       </p:grpSpPr>
       <p:sp>
         <p:nvSpPr>
-          <p:cNvPr id="181" name="Google Shape;181;g1ec2dc30982_0_169:notes"/>
+          <p:cNvPr id="182" name="Google Shape;182;g1ec2dc30982_0_169:notes"/>
           <p:cNvSpPr/>
           <p:nvPr>
             <p:ph idx="2" type="sldImg"/>
@@ -1956,7 +1956,7 @@
       </p:sp>
       <p:sp>
         <p:nvSpPr>
-          <p:cNvPr id="182" name="Google Shape;182;g1ec2dc30982_0_169:notes"/>
+          <p:cNvPr id="183" name="Google Shape;183;g1ec2dc30982_0_169:notes"/>
           <p:cNvSpPr txBox="1"/>
           <p:nvPr>
             <p:ph idx="1" type="body"/>
@@ -10348,7 +10348,196 @@
   <p:cSld>
     <p:spTree>
       <p:nvGrpSpPr>
-        <p:cNvPr id="190" name="Shape 190"/>
+        <p:cNvPr id="191" name="Shape 191"/>
+        <p:cNvGrpSpPr/>
+        <p:nvPr/>
+      </p:nvGrpSpPr>
+      <p:grpSpPr>
+        <a:xfrm>
+          <a:off x="0" y="0"/>
+          <a:ext cx="0" cy="0"/>
+          <a:chOff x="0" y="0"/>
+          <a:chExt cx="0" cy="0"/>
+        </a:xfrm>
+      </p:grpSpPr>
+      <p:pic>
+        <p:nvPicPr>
+          <p:cNvPr id="192" name="Google Shape;192;p22"/>
+          <p:cNvPicPr preferRelativeResize="0"/>
+          <p:nvPr/>
+        </p:nvPicPr>
+        <p:blipFill>
+          <a:blip r:embed="rId3">
+            <a:alphaModFix/>
+          </a:blip>
+          <a:stretch>
+            <a:fillRect/>
+          </a:stretch>
+        </p:blipFill>
+        <p:spPr>
+          <a:xfrm>
+            <a:off x="1297503" y="973900"/>
+            <a:ext cx="3607201" cy="3958800"/>
+          </a:xfrm>
+          <a:prstGeom prst="rect">
+            <a:avLst/>
+          </a:prstGeom>
+          <a:noFill/>
+          <a:ln>
+            <a:noFill/>
+          </a:ln>
+        </p:spPr>
+      </p:pic>
+      <p:sp>
+        <p:nvSpPr>
+          <p:cNvPr id="193" name="Google Shape;193;p22"/>
+          <p:cNvSpPr txBox="1"/>
+          <p:nvPr/>
+        </p:nvSpPr>
+        <p:spPr>
+          <a:xfrm>
+            <a:off x="1297500" y="520600"/>
+            <a:ext cx="3607200" cy="453300"/>
+          </a:xfrm>
+          <a:prstGeom prst="rect">
+            <a:avLst/>
+          </a:prstGeom>
+          <a:noFill/>
+          <a:ln>
+            <a:noFill/>
+          </a:ln>
+        </p:spPr>
+        <p:txBody>
+          <a:bodyPr anchorCtr="0" anchor="t" bIns="91425" lIns="91425" spcFirstLastPara="1" rIns="91425" wrap="square" tIns="91425">
+            <a:noAutofit/>
+          </a:bodyPr>
+          <a:lstStyle/>
+          <a:p>
+            <a:pPr indent="0" lvl="0" marL="0" rtl="0" algn="ctr">
+              <a:spcBef>
+                <a:spcPts val="0"/>
+              </a:spcBef>
+              <a:spcAft>
+                <a:spcPts val="0"/>
+              </a:spcAft>
+              <a:buNone/>
+            </a:pPr>
+            <a:r>
+              <a:rPr b="1" lang="en" sz="1800">
+                <a:solidFill>
+                  <a:srgbClr val="6D9EEB"/>
+                </a:solidFill>
+                <a:latin typeface="Lato"/>
+                <a:ea typeface="Lato"/>
+                <a:cs typeface="Lato"/>
+                <a:sym typeface="Lato"/>
+              </a:rPr>
+              <a:t>Milestone 3</a:t>
+            </a:r>
+            <a:endParaRPr b="1" sz="1800">
+              <a:solidFill>
+                <a:srgbClr val="6D9EEB"/>
+              </a:solidFill>
+              <a:latin typeface="Lato"/>
+              <a:ea typeface="Lato"/>
+              <a:cs typeface="Lato"/>
+              <a:sym typeface="Lato"/>
+            </a:endParaRPr>
+          </a:p>
+        </p:txBody>
+      </p:sp>
+      <p:pic>
+        <p:nvPicPr>
+          <p:cNvPr id="194" name="Google Shape;194;p22"/>
+          <p:cNvPicPr preferRelativeResize="0"/>
+          <p:nvPr/>
+        </p:nvPicPr>
+        <p:blipFill>
+          <a:blip r:embed="rId4">
+            <a:alphaModFix/>
+          </a:blip>
+          <a:stretch>
+            <a:fillRect/>
+          </a:stretch>
+        </p:blipFill>
+        <p:spPr>
+          <a:xfrm>
+            <a:off x="5090875" y="973900"/>
+            <a:ext cx="3746333" cy="1597850"/>
+          </a:xfrm>
+          <a:prstGeom prst="rect">
+            <a:avLst/>
+          </a:prstGeom>
+          <a:noFill/>
+          <a:ln>
+            <a:noFill/>
+          </a:ln>
+        </p:spPr>
+      </p:pic>
+      <p:sp>
+        <p:nvSpPr>
+          <p:cNvPr id="195" name="Google Shape;195;p22"/>
+          <p:cNvSpPr txBox="1"/>
+          <p:nvPr/>
+        </p:nvSpPr>
+        <p:spPr>
+          <a:xfrm>
+            <a:off x="5464025" y="516400"/>
+            <a:ext cx="3000000" cy="461700"/>
+          </a:xfrm>
+          <a:prstGeom prst="rect">
+            <a:avLst/>
+          </a:prstGeom>
+          <a:noFill/>
+          <a:ln>
+            <a:noFill/>
+          </a:ln>
+        </p:spPr>
+        <p:txBody>
+          <a:bodyPr anchorCtr="0" anchor="t" bIns="91425" lIns="91425" spcFirstLastPara="1" rIns="91425" wrap="square" tIns="91425">
+            <a:spAutoFit/>
+          </a:bodyPr>
+          <a:lstStyle/>
+          <a:p>
+            <a:pPr indent="0" lvl="0" marL="0" rtl="0" algn="ctr">
+              <a:spcBef>
+                <a:spcPts val="0"/>
+              </a:spcBef>
+              <a:spcAft>
+                <a:spcPts val="0"/>
+              </a:spcAft>
+              <a:buNone/>
+            </a:pPr>
+            <a:r>
+              <a:rPr b="1" lang="en" sz="1800">
+                <a:solidFill>
+                  <a:srgbClr val="6D9EEB"/>
+                </a:solidFill>
+                <a:latin typeface="Lato"/>
+                <a:ea typeface="Lato"/>
+                <a:cs typeface="Lato"/>
+                <a:sym typeface="Lato"/>
+              </a:rPr>
+              <a:t>Milestone 4</a:t>
+            </a:r>
+            <a:endParaRPr/>
+          </a:p>
+        </p:txBody>
+      </p:sp>
+    </p:spTree>
+  </p:cSld>
+  <p:clrMapOvr>
+    <a:masterClrMapping/>
+  </p:clrMapOvr>
+</p:sld>
+</file>
+
+<file path=ppt/slides/slide11.xml><?xml version="1.0" encoding="utf-8"?>
+<p:sld xmlns:a="http://schemas.openxmlformats.org/drawingml/2006/main" xmlns:r="http://schemas.openxmlformats.org/officeDocument/2006/relationships" xmlns:mc="http://schemas.openxmlformats.org/markup-compatibility/2006" xmlns:mv="urn:schemas-microsoft-com:mac:vml" xmlns:p="http://schemas.openxmlformats.org/presentationml/2006/main" xmlns:c="http://schemas.openxmlformats.org/drawingml/2006/chart" xmlns:dgm="http://schemas.openxmlformats.org/drawingml/2006/diagram" xmlns:o="urn:schemas-microsoft-com:office:office" xmlns:v="urn:schemas-microsoft-com:vml" xmlns:pvml="urn:schemas-microsoft-com:office:powerpoint" xmlns:com="http://schemas.openxmlformats.org/drawingml/2006/compatibility" xmlns:p14="http://schemas.microsoft.com/office/powerpoint/2010/main" xmlns:p15="http://schemas.microsoft.com/office/powerpoint/2012/main" xmlns:ahyp="http://schemas.microsoft.com/office/drawing/2018/hyperlinkcolor">
+  <p:cSld>
+    <p:spTree>
+      <p:nvGrpSpPr>
+        <p:cNvPr id="199" name="Shape 199"/>
         <p:cNvGrpSpPr/>
         <p:nvPr/>
       </p:nvGrpSpPr>
@@ -10362,7 +10551,7 @@
       </p:grpSpPr>
       <p:sp>
         <p:nvSpPr>
-          <p:cNvPr id="191" name="Google Shape;191;p22"/>
+          <p:cNvPr id="200" name="Google Shape;200;p23"/>
           <p:cNvSpPr txBox="1"/>
           <p:nvPr>
             <p:ph type="title"/>
@@ -10417,7 +10606,7 @@
       </p:sp>
       <p:sp>
         <p:nvSpPr>
-          <p:cNvPr id="192" name="Google Shape;192;p22"/>
+          <p:cNvPr id="201" name="Google Shape;201;p23"/>
           <p:cNvSpPr txBox="1"/>
           <p:nvPr>
             <p:ph idx="1" type="body"/>
@@ -10691,201 +10880,12 @@
 </p:sld>
 </file>
 
-<file path=ppt/slides/slide11.xml><?xml version="1.0" encoding="utf-8"?>
-<p:sld xmlns:a="http://schemas.openxmlformats.org/drawingml/2006/main" xmlns:r="http://schemas.openxmlformats.org/officeDocument/2006/relationships" xmlns:mc="http://schemas.openxmlformats.org/markup-compatibility/2006" xmlns:mv="urn:schemas-microsoft-com:mac:vml" xmlns:p="http://schemas.openxmlformats.org/presentationml/2006/main" xmlns:c="http://schemas.openxmlformats.org/drawingml/2006/chart" xmlns:dgm="http://schemas.openxmlformats.org/drawingml/2006/diagram" xmlns:o="urn:schemas-microsoft-com:office:office" xmlns:v="urn:schemas-microsoft-com:vml" xmlns:pvml="urn:schemas-microsoft-com:office:powerpoint" xmlns:com="http://schemas.openxmlformats.org/drawingml/2006/compatibility" xmlns:p14="http://schemas.microsoft.com/office/powerpoint/2010/main" xmlns:p15="http://schemas.microsoft.com/office/powerpoint/2012/main" xmlns:ahyp="http://schemas.microsoft.com/office/drawing/2018/hyperlinkcolor">
-  <p:cSld>
-    <p:spTree>
-      <p:nvGrpSpPr>
-        <p:cNvPr id="196" name="Shape 196"/>
-        <p:cNvGrpSpPr/>
-        <p:nvPr/>
-      </p:nvGrpSpPr>
-      <p:grpSpPr>
-        <a:xfrm>
-          <a:off x="0" y="0"/>
-          <a:ext cx="0" cy="0"/>
-          <a:chOff x="0" y="0"/>
-          <a:chExt cx="0" cy="0"/>
-        </a:xfrm>
-      </p:grpSpPr>
-      <p:pic>
-        <p:nvPicPr>
-          <p:cNvPr id="197" name="Google Shape;197;p23"/>
-          <p:cNvPicPr preferRelativeResize="0"/>
-          <p:nvPr/>
-        </p:nvPicPr>
-        <p:blipFill>
-          <a:blip r:embed="rId3">
-            <a:alphaModFix/>
-          </a:blip>
-          <a:stretch>
-            <a:fillRect/>
-          </a:stretch>
-        </p:blipFill>
-        <p:spPr>
-          <a:xfrm>
-            <a:off x="1297503" y="973900"/>
-            <a:ext cx="3607201" cy="3958800"/>
-          </a:xfrm>
-          <a:prstGeom prst="rect">
-            <a:avLst/>
-          </a:prstGeom>
-          <a:noFill/>
-          <a:ln>
-            <a:noFill/>
-          </a:ln>
-        </p:spPr>
-      </p:pic>
-      <p:sp>
-        <p:nvSpPr>
-          <p:cNvPr id="198" name="Google Shape;198;p23"/>
-          <p:cNvSpPr txBox="1"/>
-          <p:nvPr/>
-        </p:nvSpPr>
-        <p:spPr>
-          <a:xfrm>
-            <a:off x="1297500" y="520600"/>
-            <a:ext cx="3607200" cy="453300"/>
-          </a:xfrm>
-          <a:prstGeom prst="rect">
-            <a:avLst/>
-          </a:prstGeom>
-          <a:noFill/>
-          <a:ln>
-            <a:noFill/>
-          </a:ln>
-        </p:spPr>
-        <p:txBody>
-          <a:bodyPr anchorCtr="0" anchor="t" bIns="91425" lIns="91425" spcFirstLastPara="1" rIns="91425" wrap="square" tIns="91425">
-            <a:noAutofit/>
-          </a:bodyPr>
-          <a:lstStyle/>
-          <a:p>
-            <a:pPr indent="0" lvl="0" marL="0" rtl="0" algn="ctr">
-              <a:spcBef>
-                <a:spcPts val="0"/>
-              </a:spcBef>
-              <a:spcAft>
-                <a:spcPts val="0"/>
-              </a:spcAft>
-              <a:buNone/>
-            </a:pPr>
-            <a:r>
-              <a:rPr b="1" lang="en" sz="1800">
-                <a:solidFill>
-                  <a:srgbClr val="6D9EEB"/>
-                </a:solidFill>
-                <a:latin typeface="Lato"/>
-                <a:ea typeface="Lato"/>
-                <a:cs typeface="Lato"/>
-                <a:sym typeface="Lato"/>
-              </a:rPr>
-              <a:t>Milestone 3</a:t>
-            </a:r>
-            <a:endParaRPr b="1" sz="1800">
-              <a:solidFill>
-                <a:srgbClr val="6D9EEB"/>
-              </a:solidFill>
-              <a:latin typeface="Lato"/>
-              <a:ea typeface="Lato"/>
-              <a:cs typeface="Lato"/>
-              <a:sym typeface="Lato"/>
-            </a:endParaRPr>
-          </a:p>
-        </p:txBody>
-      </p:sp>
-      <p:pic>
-        <p:nvPicPr>
-          <p:cNvPr id="199" name="Google Shape;199;p23"/>
-          <p:cNvPicPr preferRelativeResize="0"/>
-          <p:nvPr/>
-        </p:nvPicPr>
-        <p:blipFill>
-          <a:blip r:embed="rId4">
-            <a:alphaModFix/>
-          </a:blip>
-          <a:stretch>
-            <a:fillRect/>
-          </a:stretch>
-        </p:blipFill>
-        <p:spPr>
-          <a:xfrm>
-            <a:off x="5090875" y="973900"/>
-            <a:ext cx="3746333" cy="1597850"/>
-          </a:xfrm>
-          <a:prstGeom prst="rect">
-            <a:avLst/>
-          </a:prstGeom>
-          <a:noFill/>
-          <a:ln>
-            <a:noFill/>
-          </a:ln>
-        </p:spPr>
-      </p:pic>
-      <p:sp>
-        <p:nvSpPr>
-          <p:cNvPr id="200" name="Google Shape;200;p23"/>
-          <p:cNvSpPr txBox="1"/>
-          <p:nvPr/>
-        </p:nvSpPr>
-        <p:spPr>
-          <a:xfrm>
-            <a:off x="5464025" y="516400"/>
-            <a:ext cx="3000000" cy="461700"/>
-          </a:xfrm>
-          <a:prstGeom prst="rect">
-            <a:avLst/>
-          </a:prstGeom>
-          <a:noFill/>
-          <a:ln>
-            <a:noFill/>
-          </a:ln>
-        </p:spPr>
-        <p:txBody>
-          <a:bodyPr anchorCtr="0" anchor="t" bIns="91425" lIns="91425" spcFirstLastPara="1" rIns="91425" wrap="square" tIns="91425">
-            <a:spAutoFit/>
-          </a:bodyPr>
-          <a:lstStyle/>
-          <a:p>
-            <a:pPr indent="0" lvl="0" marL="0" rtl="0" algn="ctr">
-              <a:spcBef>
-                <a:spcPts val="0"/>
-              </a:spcBef>
-              <a:spcAft>
-                <a:spcPts val="0"/>
-              </a:spcAft>
-              <a:buNone/>
-            </a:pPr>
-            <a:r>
-              <a:rPr b="1" lang="en" sz="1800">
-                <a:solidFill>
-                  <a:srgbClr val="6D9EEB"/>
-                </a:solidFill>
-                <a:latin typeface="Lato"/>
-                <a:ea typeface="Lato"/>
-                <a:cs typeface="Lato"/>
-                <a:sym typeface="Lato"/>
-              </a:rPr>
-              <a:t>Milestone 4</a:t>
-            </a:r>
-            <a:endParaRPr/>
-          </a:p>
-        </p:txBody>
-      </p:sp>
-    </p:spTree>
-  </p:cSld>
-  <p:clrMapOvr>
-    <a:masterClrMapping/>
-  </p:clrMapOvr>
-</p:sld>
-</file>
-
 <file path=ppt/slides/slide12.xml><?xml version="1.0" encoding="utf-8"?>
 <p:sld xmlns:a="http://schemas.openxmlformats.org/drawingml/2006/main" xmlns:r="http://schemas.openxmlformats.org/officeDocument/2006/relationships" xmlns:mc="http://schemas.openxmlformats.org/markup-compatibility/2006" xmlns:mv="urn:schemas-microsoft-com:mac:vml" xmlns:p="http://schemas.openxmlformats.org/presentationml/2006/main" xmlns:c="http://schemas.openxmlformats.org/drawingml/2006/chart" xmlns:dgm="http://schemas.openxmlformats.org/drawingml/2006/diagram" xmlns:o="urn:schemas-microsoft-com:office:office" xmlns:v="urn:schemas-microsoft-com:vml" xmlns:pvml="urn:schemas-microsoft-com:office:powerpoint" xmlns:com="http://schemas.openxmlformats.org/drawingml/2006/compatibility" xmlns:p14="http://schemas.microsoft.com/office/powerpoint/2010/main" xmlns:p15="http://schemas.microsoft.com/office/powerpoint/2012/main" xmlns:ahyp="http://schemas.microsoft.com/office/drawing/2018/hyperlinkcolor">
   <p:cSld>
     <p:spTree>
       <p:nvGrpSpPr>
-        <p:cNvPr id="204" name="Shape 204"/>
+        <p:cNvPr id="205" name="Shape 205"/>
         <p:cNvGrpSpPr/>
         <p:nvPr/>
       </p:nvGrpSpPr>
@@ -10899,7 +10899,7 @@
       </p:grpSpPr>
       <p:sp>
         <p:nvSpPr>
-          <p:cNvPr id="205" name="Google Shape;205;p24"/>
+          <p:cNvPr id="206" name="Google Shape;206;p24"/>
           <p:cNvSpPr txBox="1"/>
           <p:nvPr>
             <p:ph type="title"/>
@@ -10951,7 +10951,7 @@
       </p:sp>
       <p:sp>
         <p:nvSpPr>
-          <p:cNvPr id="206" name="Google Shape;206;p24"/>
+          <p:cNvPr id="207" name="Google Shape;207;p24"/>
           <p:cNvSpPr txBox="1"/>
           <p:nvPr>
             <p:ph idx="1" type="body"/>
@@ -11088,7 +11088,7 @@
   <p:cSld>
     <p:spTree>
       <p:nvGrpSpPr>
-        <p:cNvPr id="210" name="Shape 210"/>
+        <p:cNvPr id="211" name="Shape 211"/>
         <p:cNvGrpSpPr/>
         <p:nvPr/>
       </p:nvGrpSpPr>
@@ -11102,7 +11102,7 @@
       </p:grpSpPr>
       <p:sp>
         <p:nvSpPr>
-          <p:cNvPr id="211" name="Google Shape;211;p25"/>
+          <p:cNvPr id="212" name="Google Shape;212;p25"/>
           <p:cNvSpPr txBox="1"/>
           <p:nvPr>
             <p:ph idx="1" type="body"/>
@@ -12076,6 +12076,34 @@
           </a:p>
         </p:txBody>
       </p:sp>
+      <p:pic>
+        <p:nvPicPr>
+          <p:cNvPr id="160" name="Google Shape;160;p17"/>
+          <p:cNvPicPr preferRelativeResize="0"/>
+          <p:nvPr/>
+        </p:nvPicPr>
+        <p:blipFill>
+          <a:blip r:embed="rId3">
+            <a:alphaModFix/>
+          </a:blip>
+          <a:stretch>
+            <a:fillRect/>
+          </a:stretch>
+        </p:blipFill>
+        <p:spPr>
+          <a:xfrm>
+            <a:off x="2961000" y="2758950"/>
+            <a:ext cx="3221996" cy="2079750"/>
+          </a:xfrm>
+          <a:prstGeom prst="rect">
+            <a:avLst/>
+          </a:prstGeom>
+          <a:noFill/>
+          <a:ln>
+            <a:noFill/>
+          </a:ln>
+        </p:spPr>
+      </p:pic>
     </p:spTree>
   </p:cSld>
   <p:clrMapOvr>
@@ -12089,7 +12117,7 @@
   <p:cSld>
     <p:spTree>
       <p:nvGrpSpPr>
-        <p:cNvPr id="163" name="Shape 163"/>
+        <p:cNvPr id="164" name="Shape 164"/>
         <p:cNvGrpSpPr/>
         <p:nvPr/>
       </p:nvGrpSpPr>
@@ -12103,7 +12131,7 @@
       </p:grpSpPr>
       <p:sp>
         <p:nvSpPr>
-          <p:cNvPr id="164" name="Google Shape;164;p18"/>
+          <p:cNvPr id="165" name="Google Shape;165;p18"/>
           <p:cNvSpPr txBox="1"/>
           <p:nvPr>
             <p:ph type="title"/>
@@ -12147,7 +12175,7 @@
       </p:sp>
       <p:sp>
         <p:nvSpPr>
-          <p:cNvPr id="165" name="Google Shape;165;p18"/>
+          <p:cNvPr id="166" name="Google Shape;166;p18"/>
           <p:cNvSpPr txBox="1"/>
           <p:nvPr>
             <p:ph idx="1" type="body"/>
@@ -12283,7 +12311,7 @@
   <p:cSld>
     <p:spTree>
       <p:nvGrpSpPr>
-        <p:cNvPr id="169" name="Shape 169"/>
+        <p:cNvPr id="170" name="Shape 170"/>
         <p:cNvGrpSpPr/>
         <p:nvPr/>
       </p:nvGrpSpPr>
@@ -12297,7 +12325,7 @@
       </p:grpSpPr>
       <p:sp>
         <p:nvSpPr>
-          <p:cNvPr id="170" name="Google Shape;170;p19"/>
+          <p:cNvPr id="171" name="Google Shape;171;p19"/>
           <p:cNvSpPr txBox="1"/>
           <p:nvPr>
             <p:ph type="title"/>
@@ -12364,7 +12392,7 @@
       </p:sp>
       <p:pic>
         <p:nvPicPr>
-          <p:cNvPr id="171" name="Google Shape;171;p19" title="PBJ Demo 3">
+          <p:cNvPr id="172" name="Google Shape;172;p19" title="PBJ Demo 3">
             <a:hlinkClick r:id="rId3"/>
           </p:cNvPr>
           <p:cNvPicPr preferRelativeResize="0"/>
@@ -12394,7 +12422,7 @@
       </p:pic>
       <p:sp>
         <p:nvSpPr>
-          <p:cNvPr id="172" name="Google Shape;172;p19"/>
+          <p:cNvPr id="173" name="Google Shape;173;p19"/>
           <p:cNvSpPr txBox="1"/>
           <p:nvPr/>
         </p:nvSpPr>
@@ -12490,7 +12518,7 @@
                                           </p:stCondLst>
                                         </p:cTn>
                                         <p:tgtEl>
-                                          <p:spTgt spid="171"/>
+                                          <p:spTgt spid="172"/>
                                         </p:tgtEl>
                                         <p:attrNameLst>
                                           <p:attrName>style.visibility</p:attrName>
@@ -12504,7 +12532,7 @@
                                       <p:cBhvr>
                                         <p:cTn dur="1000"/>
                                         <p:tgtEl>
-                                          <p:spTgt spid="171"/>
+                                          <p:spTgt spid="172"/>
                                         </p:tgtEl>
                                       </p:cBhvr>
                                     </p:animEffect>
@@ -12547,7 +12575,7 @@
   <p:cSld>
     <p:spTree>
       <p:nvGrpSpPr>
-        <p:cNvPr id="176" name="Shape 176"/>
+        <p:cNvPr id="177" name="Shape 177"/>
         <p:cNvGrpSpPr/>
         <p:nvPr/>
       </p:nvGrpSpPr>
@@ -12561,7 +12589,7 @@
       </p:grpSpPr>
       <p:sp>
         <p:nvSpPr>
-          <p:cNvPr id="177" name="Google Shape;177;p20"/>
+          <p:cNvPr id="178" name="Google Shape;178;p20"/>
           <p:cNvSpPr txBox="1"/>
           <p:nvPr>
             <p:ph type="title"/>
@@ -12609,7 +12637,7 @@
       </p:sp>
       <p:pic>
         <p:nvPicPr>
-          <p:cNvPr descr="Demo for Senior Design Milestone 3" id="178" name="Google Shape;178;p20" title="Bot_db Demo">
+          <p:cNvPr descr="Demo for Senior Design Milestone 3" id="179" name="Google Shape;179;p20" title="Bot_db Demo">
             <a:hlinkClick r:id="rId3"/>
           </p:cNvPr>
           <p:cNvPicPr preferRelativeResize="0"/>
@@ -12639,7 +12667,7 @@
       </p:pic>
       <p:sp>
         <p:nvSpPr>
-          <p:cNvPr id="179" name="Google Shape;179;p20"/>
+          <p:cNvPr id="180" name="Google Shape;180;p20"/>
           <p:cNvSpPr txBox="1"/>
           <p:nvPr/>
         </p:nvSpPr>
@@ -12735,7 +12763,7 @@
                                           </p:stCondLst>
                                         </p:cTn>
                                         <p:tgtEl>
-                                          <p:spTgt spid="178"/>
+                                          <p:spTgt spid="179"/>
                                         </p:tgtEl>
                                         <p:attrNameLst>
                                           <p:attrName>style.visibility</p:attrName>
@@ -12749,7 +12777,7 @@
                                       <p:cBhvr>
                                         <p:cTn dur="1000"/>
                                         <p:tgtEl>
-                                          <p:spTgt spid="178"/>
+                                          <p:spTgt spid="179"/>
                                         </p:tgtEl>
                                       </p:cBhvr>
                                     </p:animEffect>
@@ -12792,7 +12820,7 @@
   <p:cSld>
     <p:spTree>
       <p:nvGrpSpPr>
-        <p:cNvPr id="183" name="Shape 183"/>
+        <p:cNvPr id="184" name="Shape 184"/>
         <p:cNvGrpSpPr/>
         <p:nvPr/>
       </p:nvGrpSpPr>
@@ -12806,7 +12834,7 @@
       </p:grpSpPr>
       <p:sp>
         <p:nvSpPr>
-          <p:cNvPr id="184" name="Google Shape;184;p21"/>
+          <p:cNvPr id="185" name="Google Shape;185;p21"/>
           <p:cNvSpPr txBox="1"/>
           <p:nvPr>
             <p:ph type="title"/>
@@ -12861,7 +12889,7 @@
       </p:sp>
       <p:sp>
         <p:nvSpPr>
-          <p:cNvPr id="185" name="Google Shape;185;p21"/>
+          <p:cNvPr id="186" name="Google Shape;186;p21"/>
           <p:cNvSpPr txBox="1"/>
           <p:nvPr>
             <p:ph idx="1" type="body"/>
@@ -12932,28 +12960,11 @@
             </a:r>
             <a:endParaRPr sz="1600"/>
           </a:p>
-          <a:p>
-            <a:pPr indent="-330200" lvl="0" marL="457200" rtl="0" algn="l">
-              <a:spcBef>
-                <a:spcPts val="0"/>
-              </a:spcBef>
-              <a:spcAft>
-                <a:spcPts val="0"/>
-              </a:spcAft>
-              <a:buSzPts val="1600"/>
-              <a:buChar char="●"/>
-            </a:pPr>
-            <a:r>
-              <a:rPr lang="en" sz="1600"/>
-              <a:t>A Progress Evaluation document was also provided to our client that overviewed our contributions, developments, plans and feedback for Milestone 3 which was signed. </a:t>
-            </a:r>
-            <a:endParaRPr sz="1600"/>
-          </a:p>
         </p:txBody>
       </p:sp>
       <p:pic>
         <p:nvPicPr>
-          <p:cNvPr id="186" name="Google Shape;186;p21"/>
+          <p:cNvPr id="187" name="Google Shape;187;p21"/>
           <p:cNvPicPr preferRelativeResize="0"/>
           <p:nvPr/>
         </p:nvPicPr>
@@ -12967,8 +12978,8 @@
         </p:blipFill>
         <p:spPr>
           <a:xfrm>
-            <a:off x="1297500" y="4213700"/>
-            <a:ext cx="7038900" cy="519300"/>
+            <a:off x="0" y="3353275"/>
+            <a:ext cx="9144000" cy="1379725"/>
           </a:xfrm>
           <a:prstGeom prst="rect">
             <a:avLst/>
@@ -12988,6 +12999,285 @@
 </file>
 
 <file path=ppt/theme/theme1.xml><?xml version="1.0" encoding="utf-8"?>
+<a:theme xmlns:a="http://schemas.openxmlformats.org/drawingml/2006/main" xmlns:r="http://schemas.openxmlformats.org/officeDocument/2006/relationships">
+  <a:themeElements>
+    <a:clrScheme name="Default">
+      <a:dk1>
+        <a:srgbClr val="000000"/>
+      </a:dk1>
+      <a:lt1>
+        <a:srgbClr val="FFFFFF"/>
+      </a:lt1>
+      <a:dk2>
+        <a:srgbClr val="158158"/>
+      </a:dk2>
+      <a:lt2>
+        <a:srgbClr val="F3F3F3"/>
+      </a:lt2>
+      <a:accent1>
+        <a:srgbClr val="058DC7"/>
+      </a:accent1>
+      <a:accent2>
+        <a:srgbClr val="50B432"/>
+      </a:accent2>
+      <a:accent3>
+        <a:srgbClr val="ED561B"/>
+      </a:accent3>
+      <a:accent4>
+        <a:srgbClr val="EDEF00"/>
+      </a:accent4>
+      <a:accent5>
+        <a:srgbClr val="24CBE5"/>
+      </a:accent5>
+      <a:accent6>
+        <a:srgbClr val="64E572"/>
+      </a:accent6>
+      <a:hlink>
+        <a:srgbClr val="2200CC"/>
+      </a:hlink>
+      <a:folHlink>
+        <a:srgbClr val="551A8B"/>
+      </a:folHlink>
+    </a:clrScheme>
+    <a:fontScheme name="Office">
+      <a:majorFont>
+        <a:latin typeface="Arial"/>
+        <a:ea typeface=""/>
+        <a:cs typeface=""/>
+        <a:font script="Jpan" typeface="ＭＳ Ｐゴシック"/>
+        <a:font script="Hang" typeface="맑은 고딕"/>
+        <a:font script="Hans" typeface="宋体"/>
+        <a:font script="Hant" typeface="新細明體"/>
+        <a:font script="Arab" typeface="Times New Roman"/>
+        <a:font script="Hebr" typeface="Times New Roman"/>
+        <a:font script="Thai" typeface="Angsana New"/>
+        <a:font script="Ethi" typeface="Nyala"/>
+        <a:font script="Beng" typeface="Vrinda"/>
+        <a:font script="Gujr" typeface="Shruti"/>
+        <a:font script="Khmr" typeface="MoolBoran"/>
+        <a:font script="Knda" typeface="Tunga"/>
+        <a:font script="Guru" typeface="Raavi"/>
+        <a:font script="Cans" typeface="Euphemia"/>
+        <a:font script="Cher" typeface="Plantagenet Cherokee"/>
+        <a:font script="Yiii" typeface="Microsoft Yi Baiti"/>
+        <a:font script="Tibt" typeface="Microsoft Himalaya"/>
+        <a:font script="Thaa" typeface="MV Boli"/>
+        <a:font script="Deva" typeface="Mangal"/>
+        <a:font script="Telu" typeface="Gautami"/>
+        <a:font script="Taml" typeface="Latha"/>
+        <a:font script="Syrc" typeface="Estrangelo Edessa"/>
+        <a:font script="Orya" typeface="Kalinga"/>
+        <a:font script="Mlym" typeface="Kartika"/>
+        <a:font script="Laoo" typeface="DokChampa"/>
+        <a:font script="Sinh" typeface="Iskoola Pota"/>
+        <a:font script="Mong" typeface="Mongolian Baiti"/>
+        <a:font script="Viet" typeface="Times New Roman"/>
+        <a:font script="Uigh" typeface="Microsoft Uighur"/>
+        <a:font script="Geor" typeface="Sylfaen"/>
+      </a:majorFont>
+      <a:minorFont>
+        <a:latin typeface="Arial"/>
+        <a:ea typeface=""/>
+        <a:cs typeface=""/>
+        <a:font script="Jpan" typeface="ＭＳ Ｐゴシック"/>
+        <a:font script="Hang" typeface="맑은 고딕"/>
+        <a:font script="Hans" typeface="宋体"/>
+        <a:font script="Hant" typeface="新細明體"/>
+        <a:font script="Arab" typeface="Arial"/>
+        <a:font script="Hebr" typeface="Arial"/>
+        <a:font script="Thai" typeface="Cordia New"/>
+        <a:font script="Ethi" typeface="Nyala"/>
+        <a:font script="Beng" typeface="Vrinda"/>
+        <a:font script="Gujr" typeface="Shruti"/>
+        <a:font script="Khmr" typeface="DaunPenh"/>
+        <a:font script="Knda" typeface="Tunga"/>
+        <a:font script="Guru" typeface="Raavi"/>
+        <a:font script="Cans" typeface="Euphemia"/>
+        <a:font script="Cher" typeface="Plantagenet Cherokee"/>
+        <a:font script="Yiii" typeface="Microsoft Yi Baiti"/>
+        <a:font script="Tibt" typeface="Microsoft Himalaya"/>
+        <a:font script="Thaa" typeface="MV Boli"/>
+        <a:font script="Deva" typeface="Mangal"/>
+        <a:font script="Telu" typeface="Gautami"/>
+        <a:font script="Taml" typeface="Latha"/>
+        <a:font script="Syrc" typeface="Estrangelo Edessa"/>
+        <a:font script="Orya" typeface="Kalinga"/>
+        <a:font script="Mlym" typeface="Kartika"/>
+        <a:font script="Laoo" typeface="DokChampa"/>
+        <a:font script="Sinh" typeface="Iskoola Pota"/>
+        <a:font script="Mong" typeface="Mongolian Baiti"/>
+        <a:font script="Viet" typeface="Arial"/>
+        <a:font script="Uigh" typeface="Microsoft Uighur"/>
+        <a:font script="Geor" typeface="Sylfaen"/>
+      </a:minorFont>
+    </a:fontScheme>
+    <a:fmtScheme name="Office">
+      <a:fillStyleLst>
+        <a:solidFill>
+          <a:schemeClr val="phClr"/>
+        </a:solidFill>
+        <a:gradFill rotWithShape="1">
+          <a:gsLst>
+            <a:gs pos="0">
+              <a:schemeClr val="phClr">
+                <a:tint val="50000"/>
+                <a:satMod val="300000"/>
+              </a:schemeClr>
+            </a:gs>
+            <a:gs pos="35000">
+              <a:schemeClr val="phClr">
+                <a:tint val="37000"/>
+                <a:satMod val="300000"/>
+              </a:schemeClr>
+            </a:gs>
+            <a:gs pos="100000">
+              <a:schemeClr val="phClr">
+                <a:tint val="15000"/>
+                <a:satMod val="350000"/>
+              </a:schemeClr>
+            </a:gs>
+          </a:gsLst>
+          <a:lin ang="16200000" scaled="1"/>
+        </a:gradFill>
+        <a:gradFill rotWithShape="1">
+          <a:gsLst>
+            <a:gs pos="0">
+              <a:schemeClr val="phClr">
+                <a:tint val="100000"/>
+                <a:shade val="100000"/>
+                <a:satMod val="130000"/>
+              </a:schemeClr>
+            </a:gs>
+            <a:gs pos="100000">
+              <a:schemeClr val="phClr">
+                <a:tint val="50000"/>
+                <a:shade val="100000"/>
+                <a:satMod val="350000"/>
+              </a:schemeClr>
+            </a:gs>
+          </a:gsLst>
+          <a:lin ang="16200000" scaled="0"/>
+        </a:gradFill>
+      </a:fillStyleLst>
+      <a:lnStyleLst>
+        <a:ln w="9525" cap="flat" cmpd="sng" algn="ctr">
+          <a:solidFill>
+            <a:schemeClr val="phClr">
+              <a:shade val="95000"/>
+              <a:satMod val="105000"/>
+            </a:schemeClr>
+          </a:solidFill>
+          <a:prstDash val="solid"/>
+        </a:ln>
+        <a:ln w="25400" cap="flat" cmpd="sng" algn="ctr">
+          <a:solidFill>
+            <a:schemeClr val="phClr"/>
+          </a:solidFill>
+          <a:prstDash val="solid"/>
+        </a:ln>
+        <a:ln w="38100" cap="flat" cmpd="sng" algn="ctr">
+          <a:solidFill>
+            <a:schemeClr val="phClr"/>
+          </a:solidFill>
+          <a:prstDash val="solid"/>
+        </a:ln>
+      </a:lnStyleLst>
+      <a:effectStyleLst>
+        <a:effectStyle>
+          <a:effectLst>
+            <a:outerShdw blurRad="40000" dist="20000" dir="5400000" rotWithShape="0">
+              <a:srgbClr val="000000">
+                <a:alpha val="38000"/>
+              </a:srgbClr>
+            </a:outerShdw>
+          </a:effectLst>
+        </a:effectStyle>
+        <a:effectStyle>
+          <a:effectLst>
+            <a:outerShdw blurRad="40000" dist="23000" dir="5400000" rotWithShape="0">
+              <a:srgbClr val="000000">
+                <a:alpha val="35000"/>
+              </a:srgbClr>
+            </a:outerShdw>
+          </a:effectLst>
+        </a:effectStyle>
+        <a:effectStyle>
+          <a:effectLst>
+            <a:outerShdw blurRad="40000" dist="23000" dir="5400000" rotWithShape="0">
+              <a:srgbClr val="000000">
+                <a:alpha val="35000"/>
+              </a:srgbClr>
+            </a:outerShdw>
+          </a:effectLst>
+          <a:scene3d>
+            <a:camera prst="orthographicFront">
+              <a:rot lat="0" lon="0" rev="0"/>
+            </a:camera>
+            <a:lightRig rig="threePt" dir="t">
+              <a:rot lat="0" lon="0" rev="1200000"/>
+            </a:lightRig>
+          </a:scene3d>
+          <a:sp3d>
+            <a:bevelT w="63500" h="25400"/>
+          </a:sp3d>
+        </a:effectStyle>
+      </a:effectStyleLst>
+      <a:bgFillStyleLst>
+        <a:solidFill>
+          <a:schemeClr val="phClr"/>
+        </a:solidFill>
+        <a:gradFill rotWithShape="1">
+          <a:gsLst>
+            <a:gs pos="0">
+              <a:schemeClr val="phClr">
+                <a:tint val="40000"/>
+                <a:satMod val="350000"/>
+              </a:schemeClr>
+            </a:gs>
+            <a:gs pos="40000">
+              <a:schemeClr val="phClr">
+                <a:tint val="45000"/>
+                <a:shade val="99000"/>
+                <a:satMod val="350000"/>
+              </a:schemeClr>
+            </a:gs>
+            <a:gs pos="100000">
+              <a:schemeClr val="phClr">
+                <a:shade val="20000"/>
+                <a:satMod val="255000"/>
+              </a:schemeClr>
+            </a:gs>
+          </a:gsLst>
+          <a:path path="circle">
+            <a:fillToRect l="50000" t="-80000" r="50000" b="180000"/>
+          </a:path>
+        </a:gradFill>
+        <a:gradFill rotWithShape="1">
+          <a:gsLst>
+            <a:gs pos="0">
+              <a:schemeClr val="phClr">
+                <a:tint val="80000"/>
+                <a:satMod val="300000"/>
+              </a:schemeClr>
+            </a:gs>
+            <a:gs pos="100000">
+              <a:schemeClr val="phClr">
+                <a:shade val="30000"/>
+                <a:satMod val="200000"/>
+              </a:schemeClr>
+            </a:gs>
+          </a:gsLst>
+          <a:path path="circle">
+            <a:fillToRect l="50000" t="50000" r="50000" b="50000"/>
+          </a:path>
+        </a:gradFill>
+      </a:bgFillStyleLst>
+    </a:fmtScheme>
+  </a:themeElements>
+</a:theme>
+</file>
+
+<file path=ppt/theme/theme2.xml><?xml version="1.0" encoding="utf-8"?>
 <a:theme xmlns:a="http://schemas.openxmlformats.org/drawingml/2006/main" xmlns:r="http://schemas.openxmlformats.org/officeDocument/2006/relationships" name="Focus">
   <a:themeElements>
     <a:clrScheme name="Focus">
@@ -13264,283 +13554,4 @@
     </a:fmtScheme>
   </a:themeElements>
 </a:theme>
-</file>
-
-<file path=ppt/theme/theme2.xml><?xml version="1.0" encoding="utf-8"?>
-<a:theme xmlns:a="http://schemas.openxmlformats.org/drawingml/2006/main" xmlns:r="http://schemas.openxmlformats.org/officeDocument/2006/relationships">
-  <a:themeElements>
-    <a:clrScheme name="Default">
-      <a:dk1>
-        <a:srgbClr val="000000"/>
-      </a:dk1>
-      <a:lt1>
-        <a:srgbClr val="FFFFFF"/>
-      </a:lt1>
-      <a:dk2>
-        <a:srgbClr val="158158"/>
-      </a:dk2>
-      <a:lt2>
-        <a:srgbClr val="F3F3F3"/>
-      </a:lt2>
-      <a:accent1>
-        <a:srgbClr val="058DC7"/>
-      </a:accent1>
-      <a:accent2>
-        <a:srgbClr val="50B432"/>
-      </a:accent2>
-      <a:accent3>
-        <a:srgbClr val="ED561B"/>
-      </a:accent3>
-      <a:accent4>
-        <a:srgbClr val="EDEF00"/>
-      </a:accent4>
-      <a:accent5>
-        <a:srgbClr val="24CBE5"/>
-      </a:accent5>
-      <a:accent6>
-        <a:srgbClr val="64E572"/>
-      </a:accent6>
-      <a:hlink>
-        <a:srgbClr val="2200CC"/>
-      </a:hlink>
-      <a:folHlink>
-        <a:srgbClr val="551A8B"/>
-      </a:folHlink>
-    </a:clrScheme>
-    <a:fontScheme name="Office">
-      <a:majorFont>
-        <a:latin typeface="Arial"/>
-        <a:ea typeface=""/>
-        <a:cs typeface=""/>
-        <a:font script="Jpan" typeface="ＭＳ Ｐゴシック"/>
-        <a:font script="Hang" typeface="맑은 고딕"/>
-        <a:font script="Hans" typeface="宋体"/>
-        <a:font script="Hant" typeface="新細明體"/>
-        <a:font script="Arab" typeface="Times New Roman"/>
-        <a:font script="Hebr" typeface="Times New Roman"/>
-        <a:font script="Thai" typeface="Angsana New"/>
-        <a:font script="Ethi" typeface="Nyala"/>
-        <a:font script="Beng" typeface="Vrinda"/>
-        <a:font script="Gujr" typeface="Shruti"/>
-        <a:font script="Khmr" typeface="MoolBoran"/>
-        <a:font script="Knda" typeface="Tunga"/>
-        <a:font script="Guru" typeface="Raavi"/>
-        <a:font script="Cans" typeface="Euphemia"/>
-        <a:font script="Cher" typeface="Plantagenet Cherokee"/>
-        <a:font script="Yiii" typeface="Microsoft Yi Baiti"/>
-        <a:font script="Tibt" typeface="Microsoft Himalaya"/>
-        <a:font script="Thaa" typeface="MV Boli"/>
-        <a:font script="Deva" typeface="Mangal"/>
-        <a:font script="Telu" typeface="Gautami"/>
-        <a:font script="Taml" typeface="Latha"/>
-        <a:font script="Syrc" typeface="Estrangelo Edessa"/>
-        <a:font script="Orya" typeface="Kalinga"/>
-        <a:font script="Mlym" typeface="Kartika"/>
-        <a:font script="Laoo" typeface="DokChampa"/>
-        <a:font script="Sinh" typeface="Iskoola Pota"/>
-        <a:font script="Mong" typeface="Mongolian Baiti"/>
-        <a:font script="Viet" typeface="Times New Roman"/>
-        <a:font script="Uigh" typeface="Microsoft Uighur"/>
-        <a:font script="Geor" typeface="Sylfaen"/>
-      </a:majorFont>
-      <a:minorFont>
-        <a:latin typeface="Arial"/>
-        <a:ea typeface=""/>
-        <a:cs typeface=""/>
-        <a:font script="Jpan" typeface="ＭＳ Ｐゴシック"/>
-        <a:font script="Hang" typeface="맑은 고딕"/>
-        <a:font script="Hans" typeface="宋体"/>
-        <a:font script="Hant" typeface="新細明體"/>
-        <a:font script="Arab" typeface="Arial"/>
-        <a:font script="Hebr" typeface="Arial"/>
-        <a:font script="Thai" typeface="Cordia New"/>
-        <a:font script="Ethi" typeface="Nyala"/>
-        <a:font script="Beng" typeface="Vrinda"/>
-        <a:font script="Gujr" typeface="Shruti"/>
-        <a:font script="Khmr" typeface="DaunPenh"/>
-        <a:font script="Knda" typeface="Tunga"/>
-        <a:font script="Guru" typeface="Raavi"/>
-        <a:font script="Cans" typeface="Euphemia"/>
-        <a:font script="Cher" typeface="Plantagenet Cherokee"/>
-        <a:font script="Yiii" typeface="Microsoft Yi Baiti"/>
-        <a:font script="Tibt" typeface="Microsoft Himalaya"/>
-        <a:font script="Thaa" typeface="MV Boli"/>
-        <a:font script="Deva" typeface="Mangal"/>
-        <a:font script="Telu" typeface="Gautami"/>
-        <a:font script="Taml" typeface="Latha"/>
-        <a:font script="Syrc" typeface="Estrangelo Edessa"/>
-        <a:font script="Orya" typeface="Kalinga"/>
-        <a:font script="Mlym" typeface="Kartika"/>
-        <a:font script="Laoo" typeface="DokChampa"/>
-        <a:font script="Sinh" typeface="Iskoola Pota"/>
-        <a:font script="Mong" typeface="Mongolian Baiti"/>
-        <a:font script="Viet" typeface="Arial"/>
-        <a:font script="Uigh" typeface="Microsoft Uighur"/>
-        <a:font script="Geor" typeface="Sylfaen"/>
-      </a:minorFont>
-    </a:fontScheme>
-    <a:fmtScheme name="Office">
-      <a:fillStyleLst>
-        <a:solidFill>
-          <a:schemeClr val="phClr"/>
-        </a:solidFill>
-        <a:gradFill rotWithShape="1">
-          <a:gsLst>
-            <a:gs pos="0">
-              <a:schemeClr val="phClr">
-                <a:tint val="50000"/>
-                <a:satMod val="300000"/>
-              </a:schemeClr>
-            </a:gs>
-            <a:gs pos="35000">
-              <a:schemeClr val="phClr">
-                <a:tint val="37000"/>
-                <a:satMod val="300000"/>
-              </a:schemeClr>
-            </a:gs>
-            <a:gs pos="100000">
-              <a:schemeClr val="phClr">
-                <a:tint val="15000"/>
-                <a:satMod val="350000"/>
-              </a:schemeClr>
-            </a:gs>
-          </a:gsLst>
-          <a:lin ang="16200000" scaled="1"/>
-        </a:gradFill>
-        <a:gradFill rotWithShape="1">
-          <a:gsLst>
-            <a:gs pos="0">
-              <a:schemeClr val="phClr">
-                <a:tint val="100000"/>
-                <a:shade val="100000"/>
-                <a:satMod val="130000"/>
-              </a:schemeClr>
-            </a:gs>
-            <a:gs pos="100000">
-              <a:schemeClr val="phClr">
-                <a:tint val="50000"/>
-                <a:shade val="100000"/>
-                <a:satMod val="350000"/>
-              </a:schemeClr>
-            </a:gs>
-          </a:gsLst>
-          <a:lin ang="16200000" scaled="0"/>
-        </a:gradFill>
-      </a:fillStyleLst>
-      <a:lnStyleLst>
-        <a:ln w="9525" cap="flat" cmpd="sng" algn="ctr">
-          <a:solidFill>
-            <a:schemeClr val="phClr">
-              <a:shade val="95000"/>
-              <a:satMod val="105000"/>
-            </a:schemeClr>
-          </a:solidFill>
-          <a:prstDash val="solid"/>
-        </a:ln>
-        <a:ln w="25400" cap="flat" cmpd="sng" algn="ctr">
-          <a:solidFill>
-            <a:schemeClr val="phClr"/>
-          </a:solidFill>
-          <a:prstDash val="solid"/>
-        </a:ln>
-        <a:ln w="38100" cap="flat" cmpd="sng" algn="ctr">
-          <a:solidFill>
-            <a:schemeClr val="phClr"/>
-          </a:solidFill>
-          <a:prstDash val="solid"/>
-        </a:ln>
-      </a:lnStyleLst>
-      <a:effectStyleLst>
-        <a:effectStyle>
-          <a:effectLst>
-            <a:outerShdw blurRad="40000" dist="20000" dir="5400000" rotWithShape="0">
-              <a:srgbClr val="000000">
-                <a:alpha val="38000"/>
-              </a:srgbClr>
-            </a:outerShdw>
-          </a:effectLst>
-        </a:effectStyle>
-        <a:effectStyle>
-          <a:effectLst>
-            <a:outerShdw blurRad="40000" dist="23000" dir="5400000" rotWithShape="0">
-              <a:srgbClr val="000000">
-                <a:alpha val="35000"/>
-              </a:srgbClr>
-            </a:outerShdw>
-          </a:effectLst>
-        </a:effectStyle>
-        <a:effectStyle>
-          <a:effectLst>
-            <a:outerShdw blurRad="40000" dist="23000" dir="5400000" rotWithShape="0">
-              <a:srgbClr val="000000">
-                <a:alpha val="35000"/>
-              </a:srgbClr>
-            </a:outerShdw>
-          </a:effectLst>
-          <a:scene3d>
-            <a:camera prst="orthographicFront">
-              <a:rot lat="0" lon="0" rev="0"/>
-            </a:camera>
-            <a:lightRig rig="threePt" dir="t">
-              <a:rot lat="0" lon="0" rev="1200000"/>
-            </a:lightRig>
-          </a:scene3d>
-          <a:sp3d>
-            <a:bevelT w="63500" h="25400"/>
-          </a:sp3d>
-        </a:effectStyle>
-      </a:effectStyleLst>
-      <a:bgFillStyleLst>
-        <a:solidFill>
-          <a:schemeClr val="phClr"/>
-        </a:solidFill>
-        <a:gradFill rotWithShape="1">
-          <a:gsLst>
-            <a:gs pos="0">
-              <a:schemeClr val="phClr">
-                <a:tint val="40000"/>
-                <a:satMod val="350000"/>
-              </a:schemeClr>
-            </a:gs>
-            <a:gs pos="40000">
-              <a:schemeClr val="phClr">
-                <a:tint val="45000"/>
-                <a:shade val="99000"/>
-                <a:satMod val="350000"/>
-              </a:schemeClr>
-            </a:gs>
-            <a:gs pos="100000">
-              <a:schemeClr val="phClr">
-                <a:shade val="20000"/>
-                <a:satMod val="255000"/>
-              </a:schemeClr>
-            </a:gs>
-          </a:gsLst>
-          <a:path path="circle">
-            <a:fillToRect l="50000" t="-80000" r="50000" b="180000"/>
-          </a:path>
-        </a:gradFill>
-        <a:gradFill rotWithShape="1">
-          <a:gsLst>
-            <a:gs pos="0">
-              <a:schemeClr val="phClr">
-                <a:tint val="80000"/>
-                <a:satMod val="300000"/>
-              </a:schemeClr>
-            </a:gs>
-            <a:gs pos="100000">
-              <a:schemeClr val="phClr">
-                <a:shade val="30000"/>
-                <a:satMod val="200000"/>
-              </a:schemeClr>
-            </a:gs>
-          </a:gsLst>
-          <a:path path="circle">
-            <a:fillToRect l="50000" t="50000" r="50000" b="50000"/>
-          </a:path>
-        </a:gradFill>
-      </a:bgFillStyleLst>
-    </a:fmtScheme>
-  </a:themeElements>
-</a:theme>
 </file>
--- a/Police Bot Milestone 3 Presentation.pptx
+++ b/Police Bot Milestone 3 Presentation.pptx
@@ -12999,6 +12999,285 @@
 </file>
 
 <file path=ppt/theme/theme1.xml><?xml version="1.0" encoding="utf-8"?>
+<a:theme xmlns:a="http://schemas.openxmlformats.org/drawingml/2006/main" xmlns:r="http://schemas.openxmlformats.org/officeDocument/2006/relationships" name="Focus">
+  <a:themeElements>
+    <a:clrScheme name="Focus">
+      <a:dk1>
+        <a:srgbClr val="1B212C"/>
+      </a:dk1>
+      <a:lt1>
+        <a:srgbClr val="FFFFFF"/>
+      </a:lt1>
+      <a:dk2>
+        <a:srgbClr val="D9D9D9"/>
+      </a:dk2>
+      <a:lt2>
+        <a:srgbClr val="82C7A5"/>
+      </a:lt2>
+      <a:accent1>
+        <a:srgbClr val="0145AC"/>
+      </a:accent1>
+      <a:accent2>
+        <a:srgbClr val="EECE1A"/>
+      </a:accent2>
+      <a:accent3>
+        <a:srgbClr val="4E5567"/>
+      </a:accent3>
+      <a:accent4>
+        <a:srgbClr val="F4D6AD"/>
+      </a:accent4>
+      <a:accent5>
+        <a:srgbClr val="7890CD"/>
+      </a:accent5>
+      <a:accent6>
+        <a:srgbClr val="F15E22"/>
+      </a:accent6>
+      <a:hlink>
+        <a:srgbClr val="7890CD"/>
+      </a:hlink>
+      <a:folHlink>
+        <a:srgbClr val="7890CD"/>
+      </a:folHlink>
+    </a:clrScheme>
+    <a:fontScheme name="Office">
+      <a:majorFont>
+        <a:latin typeface="Arial"/>
+        <a:ea typeface=""/>
+        <a:cs typeface=""/>
+        <a:font script="Jpan" typeface="ＭＳ Ｐゴシック"/>
+        <a:font script="Hang" typeface="맑은 고딕"/>
+        <a:font script="Hans" typeface="宋体"/>
+        <a:font script="Hant" typeface="新細明體"/>
+        <a:font script="Arab" typeface="Times New Roman"/>
+        <a:font script="Hebr" typeface="Times New Roman"/>
+        <a:font script="Thai" typeface="Angsana New"/>
+        <a:font script="Ethi" typeface="Nyala"/>
+        <a:font script="Beng" typeface="Vrinda"/>
+        <a:font script="Gujr" typeface="Shruti"/>
+        <a:font script="Khmr" typeface="MoolBoran"/>
+        <a:font script="Knda" typeface="Tunga"/>
+        <a:font script="Guru" typeface="Raavi"/>
+        <a:font script="Cans" typeface="Euphemia"/>
+        <a:font script="Cher" typeface="Plantagenet Cherokee"/>
+        <a:font script="Yiii" typeface="Microsoft Yi Baiti"/>
+        <a:font script="Tibt" typeface="Microsoft Himalaya"/>
+        <a:font script="Thaa" typeface="MV Boli"/>
+        <a:font script="Deva" typeface="Mangal"/>
+        <a:font script="Telu" typeface="Gautami"/>
+        <a:font script="Taml" typeface="Latha"/>
+        <a:font script="Syrc" typeface="Estrangelo Edessa"/>
+        <a:font script="Orya" typeface="Kalinga"/>
+        <a:font script="Mlym" typeface="Kartika"/>
+        <a:font script="Laoo" typeface="DokChampa"/>
+        <a:font script="Sinh" typeface="Iskoola Pota"/>
+        <a:font script="Mong" typeface="Mongolian Baiti"/>
+        <a:font script="Viet" typeface="Times New Roman"/>
+        <a:font script="Uigh" typeface="Microsoft Uighur"/>
+        <a:font script="Geor" typeface="Sylfaen"/>
+      </a:majorFont>
+      <a:minorFont>
+        <a:latin typeface="Arial"/>
+        <a:ea typeface=""/>
+        <a:cs typeface=""/>
+        <a:font script="Jpan" typeface="ＭＳ Ｐゴシック"/>
+        <a:font script="Hang" typeface="맑은 고딕"/>
+        <a:font script="Hans" typeface="宋体"/>
+        <a:font script="Hant" typeface="新細明體"/>
+        <a:font script="Arab" typeface="Arial"/>
+        <a:font script="Hebr" typeface="Arial"/>
+        <a:font script="Thai" typeface="Cordia New"/>
+        <a:font script="Ethi" typeface="Nyala"/>
+        <a:font script="Beng" typeface="Vrinda"/>
+        <a:font script="Gujr" typeface="Shruti"/>
+        <a:font script="Khmr" typeface="DaunPenh"/>
+        <a:font script="Knda" typeface="Tunga"/>
+        <a:font script="Guru" typeface="Raavi"/>
+        <a:font script="Cans" typeface="Euphemia"/>
+        <a:font script="Cher" typeface="Plantagenet Cherokee"/>
+        <a:font script="Yiii" typeface="Microsoft Yi Baiti"/>
+        <a:font script="Tibt" typeface="Microsoft Himalaya"/>
+        <a:font script="Thaa" typeface="MV Boli"/>
+        <a:font script="Deva" typeface="Mangal"/>
+        <a:font script="Telu" typeface="Gautami"/>
+        <a:font script="Taml" typeface="Latha"/>
+        <a:font script="Syrc" typeface="Estrangelo Edessa"/>
+        <a:font script="Orya" typeface="Kalinga"/>
+        <a:font script="Mlym" typeface="Kartika"/>
+        <a:font script="Laoo" typeface="DokChampa"/>
+        <a:font script="Sinh" typeface="Iskoola Pota"/>
+        <a:font script="Mong" typeface="Mongolian Baiti"/>
+        <a:font script="Viet" typeface="Arial"/>
+        <a:font script="Uigh" typeface="Microsoft Uighur"/>
+        <a:font script="Geor" typeface="Sylfaen"/>
+      </a:minorFont>
+    </a:fontScheme>
+    <a:fmtScheme name="Office">
+      <a:fillStyleLst>
+        <a:solidFill>
+          <a:schemeClr val="phClr"/>
+        </a:solidFill>
+        <a:gradFill rotWithShape="1">
+          <a:gsLst>
+            <a:gs pos="0">
+              <a:schemeClr val="phClr">
+                <a:tint val="50000"/>
+                <a:satMod val="300000"/>
+              </a:schemeClr>
+            </a:gs>
+            <a:gs pos="35000">
+              <a:schemeClr val="phClr">
+                <a:tint val="37000"/>
+                <a:satMod val="300000"/>
+              </a:schemeClr>
+            </a:gs>
+            <a:gs pos="100000">
+              <a:schemeClr val="phClr">
+                <a:tint val="15000"/>
+                <a:satMod val="350000"/>
+              </a:schemeClr>
+            </a:gs>
+          </a:gsLst>
+          <a:lin ang="16200000" scaled="1"/>
+        </a:gradFill>
+        <a:gradFill rotWithShape="1">
+          <a:gsLst>
+            <a:gs pos="0">
+              <a:schemeClr val="phClr">
+                <a:tint val="100000"/>
+                <a:shade val="100000"/>
+                <a:satMod val="130000"/>
+              </a:schemeClr>
+            </a:gs>
+            <a:gs pos="100000">
+              <a:schemeClr val="phClr">
+                <a:tint val="50000"/>
+                <a:shade val="100000"/>
+                <a:satMod val="350000"/>
+              </a:schemeClr>
+            </a:gs>
+          </a:gsLst>
+          <a:lin ang="16200000" scaled="0"/>
+        </a:gradFill>
+      </a:fillStyleLst>
+      <a:lnStyleLst>
+        <a:ln w="9525" cap="flat" cmpd="sng" algn="ctr">
+          <a:solidFill>
+            <a:schemeClr val="phClr">
+              <a:shade val="95000"/>
+              <a:satMod val="105000"/>
+            </a:schemeClr>
+          </a:solidFill>
+          <a:prstDash val="solid"/>
+        </a:ln>
+        <a:ln w="25400" cap="flat" cmpd="sng" algn="ctr">
+          <a:solidFill>
+            <a:schemeClr val="phClr"/>
+          </a:solidFill>
+          <a:prstDash val="solid"/>
+        </a:ln>
+        <a:ln w="38100" cap="flat" cmpd="sng" algn="ctr">
+          <a:solidFill>
+            <a:schemeClr val="phClr"/>
+          </a:solidFill>
+          <a:prstDash val="solid"/>
+        </a:ln>
+      </a:lnStyleLst>
+      <a:effectStyleLst>
+        <a:effectStyle>
+          <a:effectLst>
+            <a:outerShdw blurRad="40000" dist="20000" dir="5400000" rotWithShape="0">
+              <a:srgbClr val="000000">
+                <a:alpha val="38000"/>
+              </a:srgbClr>
+            </a:outerShdw>
+          </a:effectLst>
+        </a:effectStyle>
+        <a:effectStyle>
+          <a:effectLst>
+            <a:outerShdw blurRad="40000" dist="23000" dir="5400000" rotWithShape="0">
+              <a:srgbClr val="000000">
+                <a:alpha val="35000"/>
+              </a:srgbClr>
+            </a:outerShdw>
+          </a:effectLst>
+        </a:effectStyle>
+        <a:effectStyle>
+          <a:effectLst>
+            <a:outerShdw blurRad="40000" dist="23000" dir="5400000" rotWithShape="0">
+              <a:srgbClr val="000000">
+                <a:alpha val="35000"/>
+              </a:srgbClr>
+            </a:outerShdw>
+          </a:effectLst>
+          <a:scene3d>
+            <a:camera prst="orthographicFront">
+              <a:rot lat="0" lon="0" rev="0"/>
+            </a:camera>
+            <a:lightRig rig="threePt" dir="t">
+              <a:rot lat="0" lon="0" rev="1200000"/>
+            </a:lightRig>
+          </a:scene3d>
+          <a:sp3d>
+            <a:bevelT w="63500" h="25400"/>
+          </a:sp3d>
+        </a:effectStyle>
+      </a:effectStyleLst>
+      <a:bgFillStyleLst>
+        <a:solidFill>
+          <a:schemeClr val="phClr"/>
+        </a:solidFill>
+        <a:gradFill rotWithShape="1">
+          <a:gsLst>
+            <a:gs pos="0">
+              <a:schemeClr val="phClr">
+                <a:tint val="40000"/>
+                <a:satMod val="350000"/>
+              </a:schemeClr>
+            </a:gs>
+            <a:gs pos="40000">
+              <a:schemeClr val="phClr">
+                <a:tint val="45000"/>
+                <a:shade val="99000"/>
+                <a:satMod val="350000"/>
+              </a:schemeClr>
+            </a:gs>
+            <a:gs pos="100000">
+              <a:schemeClr val="phClr">
+                <a:shade val="20000"/>
+                <a:satMod val="255000"/>
+              </a:schemeClr>
+            </a:gs>
+          </a:gsLst>
+          <a:path path="circle">
+            <a:fillToRect l="50000" t="-80000" r="50000" b="180000"/>
+          </a:path>
+        </a:gradFill>
+        <a:gradFill rotWithShape="1">
+          <a:gsLst>
+            <a:gs pos="0">
+              <a:schemeClr val="phClr">
+                <a:tint val="80000"/>
+                <a:satMod val="300000"/>
+              </a:schemeClr>
+            </a:gs>
+            <a:gs pos="100000">
+              <a:schemeClr val="phClr">
+                <a:shade val="30000"/>
+                <a:satMod val="200000"/>
+              </a:schemeClr>
+            </a:gs>
+          </a:gsLst>
+          <a:path path="circle">
+            <a:fillToRect l="50000" t="50000" r="50000" b="50000"/>
+          </a:path>
+        </a:gradFill>
+      </a:bgFillStyleLst>
+    </a:fmtScheme>
+  </a:themeElements>
+</a:theme>
+</file>
+
+<file path=ppt/theme/theme2.xml><?xml version="1.0" encoding="utf-8"?>
 <a:theme xmlns:a="http://schemas.openxmlformats.org/drawingml/2006/main" xmlns:r="http://schemas.openxmlformats.org/officeDocument/2006/relationships">
   <a:themeElements>
     <a:clrScheme name="Default">
@@ -13275,283 +13554,4 @@
     </a:fmtScheme>
   </a:themeElements>
 </a:theme>
-</file>
-
-<file path=ppt/theme/theme2.xml><?xml version="1.0" encoding="utf-8"?>
-<a:theme xmlns:a="http://schemas.openxmlformats.org/drawingml/2006/main" xmlns:r="http://schemas.openxmlformats.org/officeDocument/2006/relationships" name="Focus">
-  <a:themeElements>
-    <a:clrScheme name="Focus">
-      <a:dk1>
-        <a:srgbClr val="1B212C"/>
-      </a:dk1>
-      <a:lt1>
-        <a:srgbClr val="FFFFFF"/>
-      </a:lt1>
-      <a:dk2>
-        <a:srgbClr val="D9D9D9"/>
-      </a:dk2>
-      <a:lt2>
-        <a:srgbClr val="82C7A5"/>
-      </a:lt2>
-      <a:accent1>
-        <a:srgbClr val="0145AC"/>
-      </a:accent1>
-      <a:accent2>
-        <a:srgbClr val="EECE1A"/>
-      </a:accent2>
-      <a:accent3>
-        <a:srgbClr val="4E5567"/>
-      </a:accent3>
-      <a:accent4>
-        <a:srgbClr val="F4D6AD"/>
-      </a:accent4>
-      <a:accent5>
-        <a:srgbClr val="7890CD"/>
-      </a:accent5>
-      <a:accent6>
-        <a:srgbClr val="F15E22"/>
-      </a:accent6>
-      <a:hlink>
-        <a:srgbClr val="7890CD"/>
-      </a:hlink>
-      <a:folHlink>
-        <a:srgbClr val="7890CD"/>
-      </a:folHlink>
-    </a:clrScheme>
-    <a:fontScheme name="Office">
-      <a:majorFont>
-        <a:latin typeface="Arial"/>
-        <a:ea typeface=""/>
-        <a:cs typeface=""/>
-        <a:font script="Jpan" typeface="ＭＳ Ｐゴシック"/>
-        <a:font script="Hang" typeface="맑은 고딕"/>
-        <a:font script="Hans" typeface="宋体"/>
-        <a:font script="Hant" typeface="新細明體"/>
-        <a:font script="Arab" typeface="Times New Roman"/>
-        <a:font script="Hebr" typeface="Times New Roman"/>
-        <a:font script="Thai" typeface="Angsana New"/>
-        <a:font script="Ethi" typeface="Nyala"/>
-        <a:font script="Beng" typeface="Vrinda"/>
-        <a:font script="Gujr" typeface="Shruti"/>
-        <a:font script="Khmr" typeface="MoolBoran"/>
-        <a:font script="Knda" typeface="Tunga"/>
-        <a:font script="Guru" typeface="Raavi"/>
-        <a:font script="Cans" typeface="Euphemia"/>
-        <a:font script="Cher" typeface="Plantagenet Cherokee"/>
-        <a:font script="Yiii" typeface="Microsoft Yi Baiti"/>
-        <a:font script="Tibt" typeface="Microsoft Himalaya"/>
-        <a:font script="Thaa" typeface="MV Boli"/>
-        <a:font script="Deva" typeface="Mangal"/>
-        <a:font script="Telu" typeface="Gautami"/>
-        <a:font script="Taml" typeface="Latha"/>
-        <a:font script="Syrc" typeface="Estrangelo Edessa"/>
-        <a:font script="Orya" typeface="Kalinga"/>
-        <a:font script="Mlym" typeface="Kartika"/>
-        <a:font script="Laoo" typeface="DokChampa"/>
-        <a:font script="Sinh" typeface="Iskoola Pota"/>
-        <a:font script="Mong" typeface="Mongolian Baiti"/>
-        <a:font script="Viet" typeface="Times New Roman"/>
-        <a:font script="Uigh" typeface="Microsoft Uighur"/>
-        <a:font script="Geor" typeface="Sylfaen"/>
-      </a:majorFont>
-      <a:minorFont>
-        <a:latin typeface="Arial"/>
-        <a:ea typeface=""/>
-        <a:cs typeface=""/>
-        <a:font script="Jpan" typeface="ＭＳ Ｐゴシック"/>
-        <a:font script="Hang" typeface="맑은 고딕"/>
-        <a:font script="Hans" typeface="宋体"/>
-        <a:font script="Hant" typeface="新細明體"/>
-        <a:font script="Arab" typeface="Arial"/>
-        <a:font script="Hebr" typeface="Arial"/>
-        <a:font script="Thai" typeface="Cordia New"/>
-        <a:font script="Ethi" typeface="Nyala"/>
-        <a:font script="Beng" typeface="Vrinda"/>
-        <a:font script="Gujr" typeface="Shruti"/>
-        <a:font script="Khmr" typeface="DaunPenh"/>
-        <a:font script="Knda" typeface="Tunga"/>
-        <a:font script="Guru" typeface="Raavi"/>
-        <a:font script="Cans" typeface="Euphemia"/>
-        <a:font script="Cher" typeface="Plantagenet Cherokee"/>
-        <a:font script="Yiii" typeface="Microsoft Yi Baiti"/>
-        <a:font script="Tibt" typeface="Microsoft Himalaya"/>
-        <a:font script="Thaa" typeface="MV Boli"/>
-        <a:font script="Deva" typeface="Mangal"/>
-        <a:font script="Telu" typeface="Gautami"/>
-        <a:font script="Taml" typeface="Latha"/>
-        <a:font script="Syrc" typeface="Estrangelo Edessa"/>
-        <a:font script="Orya" typeface="Kalinga"/>
-        <a:font script="Mlym" typeface="Kartika"/>
-        <a:font script="Laoo" typeface="DokChampa"/>
-        <a:font script="Sinh" typeface="Iskoola Pota"/>
-        <a:font script="Mong" typeface="Mongolian Baiti"/>
-        <a:font script="Viet" typeface="Arial"/>
-        <a:font script="Uigh" typeface="Microsoft Uighur"/>
-        <a:font script="Geor" typeface="Sylfaen"/>
-      </a:minorFont>
-    </a:fontScheme>
-    <a:fmtScheme name="Office">
-      <a:fillStyleLst>
-        <a:solidFill>
-          <a:schemeClr val="phClr"/>
-        </a:solidFill>
-        <a:gradFill rotWithShape="1">
-          <a:gsLst>
-            <a:gs pos="0">
-              <a:schemeClr val="phClr">
-                <a:tint val="50000"/>
-                <a:satMod val="300000"/>
-              </a:schemeClr>
-            </a:gs>
-            <a:gs pos="35000">
-              <a:schemeClr val="phClr">
-                <a:tint val="37000"/>
-                <a:satMod val="300000"/>
-              </a:schemeClr>
-            </a:gs>
-            <a:gs pos="100000">
-              <a:schemeClr val="phClr">
-                <a:tint val="15000"/>
-                <a:satMod val="350000"/>
-              </a:schemeClr>
-            </a:gs>
-          </a:gsLst>
-          <a:lin ang="16200000" scaled="1"/>
-        </a:gradFill>
-        <a:gradFill rotWithShape="1">
-          <a:gsLst>
-            <a:gs pos="0">
-              <a:schemeClr val="phClr">
-                <a:tint val="100000"/>
-                <a:shade val="100000"/>
-                <a:satMod val="130000"/>
-              </a:schemeClr>
-            </a:gs>
-            <a:gs pos="100000">
-              <a:schemeClr val="phClr">
-                <a:tint val="50000"/>
-                <a:shade val="100000"/>
-                <a:satMod val="350000"/>
-              </a:schemeClr>
-            </a:gs>
-          </a:gsLst>
-          <a:lin ang="16200000" scaled="0"/>
-        </a:gradFill>
-      </a:fillStyleLst>
-      <a:lnStyleLst>
-        <a:ln w="9525" cap="flat" cmpd="sng" algn="ctr">
-          <a:solidFill>
-            <a:schemeClr val="phClr">
-              <a:shade val="95000"/>
-              <a:satMod val="105000"/>
-            </a:schemeClr>
-          </a:solidFill>
-          <a:prstDash val="solid"/>
-        </a:ln>
-        <a:ln w="25400" cap="flat" cmpd="sng" algn="ctr">
-          <a:solidFill>
-            <a:schemeClr val="phClr"/>
-          </a:solidFill>
-          <a:prstDash val="solid"/>
-        </a:ln>
-        <a:ln w="38100" cap="flat" cmpd="sng" algn="ctr">
-          <a:solidFill>
-            <a:schemeClr val="phClr"/>
-          </a:solidFill>
-          <a:prstDash val="solid"/>
-        </a:ln>
-      </a:lnStyleLst>
-      <a:effectStyleLst>
-        <a:effectStyle>
-          <a:effectLst>
-            <a:outerShdw blurRad="40000" dist="20000" dir="5400000" rotWithShape="0">
-              <a:srgbClr val="000000">
-                <a:alpha val="38000"/>
-              </a:srgbClr>
-            </a:outerShdw>
-          </a:effectLst>
-        </a:effectStyle>
-        <a:effectStyle>
-          <a:effectLst>
-            <a:outerShdw blurRad="40000" dist="23000" dir="5400000" rotWithShape="0">
-              <a:srgbClr val="000000">
-                <a:alpha val="35000"/>
-              </a:srgbClr>
-            </a:outerShdw>
-          </a:effectLst>
-        </a:effectStyle>
-        <a:effectStyle>
-          <a:effectLst>
-            <a:outerShdw blurRad="40000" dist="23000" dir="5400000" rotWithShape="0">
-              <a:srgbClr val="000000">
-                <a:alpha val="35000"/>
-              </a:srgbClr>
-            </a:outerShdw>
-          </a:effectLst>
-          <a:scene3d>
-            <a:camera prst="orthographicFront">
-              <a:rot lat="0" lon="0" rev="0"/>
-            </a:camera>
-            <a:lightRig rig="threePt" dir="t">
-              <a:rot lat="0" lon="0" rev="1200000"/>
-            </a:lightRig>
-          </a:scene3d>
-          <a:sp3d>
-            <a:bevelT w="63500" h="25400"/>
-          </a:sp3d>
-        </a:effectStyle>
-      </a:effectStyleLst>
-      <a:bgFillStyleLst>
-        <a:solidFill>
-          <a:schemeClr val="phClr"/>
-        </a:solidFill>
-        <a:gradFill rotWithShape="1">
-          <a:gsLst>
-            <a:gs pos="0">
-              <a:schemeClr val="phClr">
-                <a:tint val="40000"/>
-                <a:satMod val="350000"/>
-              </a:schemeClr>
-            </a:gs>
-            <a:gs pos="40000">
-              <a:schemeClr val="phClr">
-                <a:tint val="45000"/>
-                <a:shade val="99000"/>
-                <a:satMod val="350000"/>
-              </a:schemeClr>
-            </a:gs>
-            <a:gs pos="100000">
-              <a:schemeClr val="phClr">
-                <a:shade val="20000"/>
-                <a:satMod val="255000"/>
-              </a:schemeClr>
-            </a:gs>
-          </a:gsLst>
-          <a:path path="circle">
-            <a:fillToRect l="50000" t="-80000" r="50000" b="180000"/>
-          </a:path>
-        </a:gradFill>
-        <a:gradFill rotWithShape="1">
-          <a:gsLst>
-            <a:gs pos="0">
-              <a:schemeClr val="phClr">
-                <a:tint val="80000"/>
-                <a:satMod val="300000"/>
-              </a:schemeClr>
-            </a:gs>
-            <a:gs pos="100000">
-              <a:schemeClr val="phClr">
-                <a:shade val="30000"/>
-                <a:satMod val="200000"/>
-              </a:schemeClr>
-            </a:gs>
-          </a:gsLst>
-          <a:path path="circle">
-            <a:fillToRect l="50000" t="50000" r="50000" b="50000"/>
-          </a:path>
-        </a:gradFill>
-      </a:bgFillStyleLst>
-    </a:fmtScheme>
-  </a:themeElements>
-</a:theme>
 </file>